--- a/esp32_projects/RBG_Action/RGB Action.pptx
+++ b/esp32_projects/RBG_Action/RGB Action.pptx
@@ -124,14 +124,6 @@
 </p:presentation>
 </file>
 
-<file path=ppt/revisionInfo.xml><?xml version="1.0" encoding="utf-8"?>
-<p1510:revInfo xmlns:a="http://schemas.openxmlformats.org/drawingml/2006/main" xmlns:r="http://schemas.openxmlformats.org/officeDocument/2006/relationships" xmlns:p1510="http://schemas.microsoft.com/office/powerpoint/2015/10/main">
-  <p1510:revLst>
-    <p1510:client id="{322C8F27-8DB9-4500-A7C2-F66B0623505C}" v="26" dt="2024-08-12T10:47:41.616"/>
-  </p1510:revLst>
-</p1510:revInfo>
-</file>
-
 <file path=ppt/changesInfos/changesInfo1.xml><?xml version="1.0" encoding="utf-8"?>
 <pc:chgInfo xmlns:a="http://schemas.openxmlformats.org/drawingml/2006/main" xmlns:r="http://schemas.openxmlformats.org/officeDocument/2006/relationships" xmlns:ac="http://schemas.microsoft.com/office/drawing/2013/main/command" xmlns:pc="http://schemas.microsoft.com/office/powerpoint/2013/main/command">
   <pc:docChgLst>
@@ -3176,6 +3168,30 @@
             <ac:picMk id="27" creationId="{DDA1B7FE-FED9-4723-8992-4E2804D95197}"/>
           </ac:picMkLst>
         </pc:picChg>
+      </pc:sldChg>
+    </pc:docChg>
+  </pc:docChgLst>
+  <pc:docChgLst>
+    <pc:chgData name="Mirel Marineata" userId="d3bef06d6a068b10" providerId="LiveId" clId="{8070FE57-159E-4236-B95B-B6A7F1FCA19C}"/>
+    <pc:docChg chg="modSld">
+      <pc:chgData name="Mirel Marineata" userId="d3bef06d6a068b10" providerId="LiveId" clId="{8070FE57-159E-4236-B95B-B6A7F1FCA19C}" dt="2024-08-14T21:07:44.295" v="22" actId="20577"/>
+      <pc:docMkLst>
+        <pc:docMk/>
+      </pc:docMkLst>
+      <pc:sldChg chg="modSp mod">
+        <pc:chgData name="Mirel Marineata" userId="d3bef06d6a068b10" providerId="LiveId" clId="{8070FE57-159E-4236-B95B-B6A7F1FCA19C}" dt="2024-08-14T21:07:44.295" v="22" actId="20577"/>
+        <pc:sldMkLst>
+          <pc:docMk/>
+          <pc:sldMk cId="502879225" sldId="257"/>
+        </pc:sldMkLst>
+        <pc:spChg chg="mod">
+          <ac:chgData name="Mirel Marineata" userId="d3bef06d6a068b10" providerId="LiveId" clId="{8070FE57-159E-4236-B95B-B6A7F1FCA19C}" dt="2024-08-14T21:07:44.295" v="22" actId="20577"/>
+          <ac:spMkLst>
+            <pc:docMk/>
+            <pc:sldMk cId="502879225" sldId="257"/>
+            <ac:spMk id="3" creationId="{DFEC943C-9BC3-7167-A9CF-24381F3D0BE6}"/>
+          </ac:spMkLst>
+        </pc:spChg>
       </pc:sldChg>
     </pc:docChg>
   </pc:docChgLst>
@@ -9695,7 +9711,7 @@
           <a:p>
             <a:fld id="{0BC790F4-BBDC-4782-A74A-D7654E823832}" type="datetimeFigureOut">
               <a:rPr lang="en-US" smtClean="0"/>
-              <a:t>8/13/2024</a:t>
+              <a:t>8/14/2024</a:t>
             </a:fld>
             <a:endParaRPr lang="en-US"/>
           </a:p>
@@ -10030,7 +10046,7 @@
           <a:p>
             <a:fld id="{0BC790F4-BBDC-4782-A74A-D7654E823832}" type="datetimeFigureOut">
               <a:rPr lang="en-US" smtClean="0"/>
-              <a:t>8/13/2024</a:t>
+              <a:t>8/14/2024</a:t>
             </a:fld>
             <a:endParaRPr lang="en-US"/>
           </a:p>
@@ -10333,7 +10349,7 @@
           <a:p>
             <a:fld id="{0BC790F4-BBDC-4782-A74A-D7654E823832}" type="datetimeFigureOut">
               <a:rPr lang="en-US" smtClean="0"/>
-              <a:t>8/13/2024</a:t>
+              <a:t>8/14/2024</a:t>
             </a:fld>
             <a:endParaRPr lang="en-US"/>
           </a:p>
@@ -10581,7 +10597,7 @@
           <a:p>
             <a:fld id="{0BC790F4-BBDC-4782-A74A-D7654E823832}" type="datetimeFigureOut">
               <a:rPr lang="en-US" smtClean="0"/>
-              <a:t>8/13/2024</a:t>
+              <a:t>8/14/2024</a:t>
             </a:fld>
             <a:endParaRPr lang="en-US"/>
           </a:p>
@@ -10989,7 +11005,7 @@
           <a:p>
             <a:fld id="{0BC790F4-BBDC-4782-A74A-D7654E823832}" type="datetimeFigureOut">
               <a:rPr lang="en-US" smtClean="0"/>
-              <a:t>8/13/2024</a:t>
+              <a:t>8/14/2024</a:t>
             </a:fld>
             <a:endParaRPr lang="en-US"/>
           </a:p>
@@ -11304,7 +11320,7 @@
           <a:p>
             <a:fld id="{0BC790F4-BBDC-4782-A74A-D7654E823832}" type="datetimeFigureOut">
               <a:rPr lang="en-US" smtClean="0"/>
-              <a:t>8/13/2024</a:t>
+              <a:t>8/14/2024</a:t>
             </a:fld>
             <a:endParaRPr lang="en-US"/>
           </a:p>
@@ -11849,7 +11865,7 @@
           <a:p>
             <a:fld id="{0BC790F4-BBDC-4782-A74A-D7654E823832}" type="datetimeFigureOut">
               <a:rPr lang="en-US" smtClean="0"/>
-              <a:t>8/13/2024</a:t>
+              <a:t>8/14/2024</a:t>
             </a:fld>
             <a:endParaRPr lang="en-US"/>
           </a:p>
@@ -12045,7 +12061,7 @@
           <a:p>
             <a:fld id="{0BC790F4-BBDC-4782-A74A-D7654E823832}" type="datetimeFigureOut">
               <a:rPr lang="en-US" smtClean="0"/>
-              <a:t>8/13/2024</a:t>
+              <a:t>8/14/2024</a:t>
             </a:fld>
             <a:endParaRPr lang="en-US"/>
           </a:p>
@@ -12259,7 +12275,7 @@
           <a:p>
             <a:fld id="{0BC790F4-BBDC-4782-A74A-D7654E823832}" type="datetimeFigureOut">
               <a:rPr lang="en-US" smtClean="0"/>
-              <a:t>8/13/2024</a:t>
+              <a:t>8/14/2024</a:t>
             </a:fld>
             <a:endParaRPr lang="en-US"/>
           </a:p>
@@ -12629,7 +12645,7 @@
           <a:p>
             <a:fld id="{0BC790F4-BBDC-4782-A74A-D7654E823832}" type="datetimeFigureOut">
               <a:rPr lang="en-US" smtClean="0"/>
-              <a:t>8/13/2024</a:t>
+              <a:t>8/14/2024</a:t>
             </a:fld>
             <a:endParaRPr lang="en-US"/>
           </a:p>
@@ -13033,7 +13049,7 @@
           <a:p>
             <a:fld id="{0BC790F4-BBDC-4782-A74A-D7654E823832}" type="datetimeFigureOut">
               <a:rPr lang="en-US" smtClean="0"/>
-              <a:t>8/13/2024</a:t>
+              <a:t>8/14/2024</a:t>
             </a:fld>
             <a:endParaRPr lang="en-US"/>
           </a:p>
@@ -13345,7 +13361,7 @@
           <a:p>
             <a:fld id="{0BC790F4-BBDC-4782-A74A-D7654E823832}" type="datetimeFigureOut">
               <a:rPr lang="en-US" smtClean="0"/>
-              <a:t>8/13/2024</a:t>
+              <a:t>8/14/2024</a:t>
             </a:fld>
             <a:endParaRPr lang="en-US"/>
           </a:p>
@@ -17973,6 +17989,14 @@
               <a:rPr lang="en-US" sz="2100" b="1" dirty="0" err="1"/>
               <a:t>Vscode</a:t>
             </a:r>
+            <a:r>
+              <a:rPr lang="en-US" sz="2100" b="1" dirty="0"/>
+              <a:t>, </a:t>
+            </a:r>
+            <a:r>
+              <a:rPr lang="en-US" sz="2100" b="1"/>
+              <a:t>Arduino Framework</a:t>
+            </a:r>
             <a:endParaRPr lang="en-US" sz="2100" b="1" dirty="0"/>
           </a:p>
           <a:p>
